--- a/2019 DOCS/Lecture Two.pptx
+++ b/2019 DOCS/Lecture Two.pptx
@@ -842,7 +842,7 @@
           <a:p>
             <a:fld id="{555DB554-926A-4BA9-A387-DCFE8861F6D6}" type="datetimeFigureOut">
               <a:rPr lang="en-US" smtClean="0"/>
-              <a:t>6/13/2019</a:t>
+              <a:t>6/14/2019</a:t>
             </a:fld>
             <a:endParaRPr lang="en-US"/>
           </a:p>
@@ -1093,7 +1093,7 @@
           <a:p>
             <a:fld id="{555DB554-926A-4BA9-A387-DCFE8861F6D6}" type="datetimeFigureOut">
               <a:rPr lang="en-US" smtClean="0"/>
-              <a:t>6/13/2019</a:t>
+              <a:t>6/14/2019</a:t>
             </a:fld>
             <a:endParaRPr lang="en-US"/>
           </a:p>
@@ -1407,7 +1407,7 @@
           <a:p>
             <a:fld id="{555DB554-926A-4BA9-A387-DCFE8861F6D6}" type="datetimeFigureOut">
               <a:rPr lang="en-US" smtClean="0"/>
-              <a:t>6/13/2019</a:t>
+              <a:t>6/14/2019</a:t>
             </a:fld>
             <a:endParaRPr lang="en-US"/>
           </a:p>
@@ -1748,7 +1748,7 @@
           <a:p>
             <a:fld id="{555DB554-926A-4BA9-A387-DCFE8861F6D6}" type="datetimeFigureOut">
               <a:rPr lang="en-US" smtClean="0"/>
-              <a:t>6/13/2019</a:t>
+              <a:t>6/14/2019</a:t>
             </a:fld>
             <a:endParaRPr lang="en-US"/>
           </a:p>
@@ -2062,7 +2062,7 @@
           <a:p>
             <a:fld id="{555DB554-926A-4BA9-A387-DCFE8861F6D6}" type="datetimeFigureOut">
               <a:rPr lang="en-US" smtClean="0"/>
-              <a:t>6/13/2019</a:t>
+              <a:t>6/14/2019</a:t>
             </a:fld>
             <a:endParaRPr lang="en-US"/>
           </a:p>
@@ -2455,7 +2455,7 @@
           <a:p>
             <a:fld id="{555DB554-926A-4BA9-A387-DCFE8861F6D6}" type="datetimeFigureOut">
               <a:rPr lang="en-US" smtClean="0"/>
-              <a:t>6/13/2019</a:t>
+              <a:t>6/14/2019</a:t>
             </a:fld>
             <a:endParaRPr lang="en-US"/>
           </a:p>
@@ -2625,7 +2625,7 @@
           <a:p>
             <a:fld id="{555DB554-926A-4BA9-A387-DCFE8861F6D6}" type="datetimeFigureOut">
               <a:rPr lang="en-US" smtClean="0"/>
-              <a:t>6/13/2019</a:t>
+              <a:t>6/14/2019</a:t>
             </a:fld>
             <a:endParaRPr lang="en-US"/>
           </a:p>
@@ -2805,7 +2805,7 @@
           <a:p>
             <a:fld id="{555DB554-926A-4BA9-A387-DCFE8861F6D6}" type="datetimeFigureOut">
               <a:rPr lang="en-US" smtClean="0"/>
-              <a:t>6/13/2019</a:t>
+              <a:t>6/14/2019</a:t>
             </a:fld>
             <a:endParaRPr lang="en-US"/>
           </a:p>
@@ -2981,7 +2981,7 @@
           <a:p>
             <a:fld id="{555DB554-926A-4BA9-A387-DCFE8861F6D6}" type="datetimeFigureOut">
               <a:rPr lang="en-US" smtClean="0"/>
-              <a:t>6/13/2019</a:t>
+              <a:t>6/14/2019</a:t>
             </a:fld>
             <a:endParaRPr lang="en-US"/>
           </a:p>
@@ -3228,7 +3228,7 @@
           <a:p>
             <a:fld id="{555DB554-926A-4BA9-A387-DCFE8861F6D6}" type="datetimeFigureOut">
               <a:rPr lang="en-US" smtClean="0"/>
-              <a:t>6/13/2019</a:t>
+              <a:t>6/14/2019</a:t>
             </a:fld>
             <a:endParaRPr lang="en-US"/>
           </a:p>
@@ -3460,7 +3460,7 @@
           <a:p>
             <a:fld id="{555DB554-926A-4BA9-A387-DCFE8861F6D6}" type="datetimeFigureOut">
               <a:rPr lang="en-US" smtClean="0"/>
-              <a:t>6/13/2019</a:t>
+              <a:t>6/14/2019</a:t>
             </a:fld>
             <a:endParaRPr lang="en-US"/>
           </a:p>
@@ -3834,7 +3834,7 @@
           <a:p>
             <a:fld id="{555DB554-926A-4BA9-A387-DCFE8861F6D6}" type="datetimeFigureOut">
               <a:rPr lang="en-US" smtClean="0"/>
-              <a:t>6/13/2019</a:t>
+              <a:t>6/14/2019</a:t>
             </a:fld>
             <a:endParaRPr lang="en-US"/>
           </a:p>
@@ -3957,7 +3957,7 @@
           <a:p>
             <a:fld id="{555DB554-926A-4BA9-A387-DCFE8861F6D6}" type="datetimeFigureOut">
               <a:rPr lang="en-US" smtClean="0"/>
-              <a:t>6/13/2019</a:t>
+              <a:t>6/14/2019</a:t>
             </a:fld>
             <a:endParaRPr lang="en-US"/>
           </a:p>
@@ -4052,7 +4052,7 @@
           <a:p>
             <a:fld id="{555DB554-926A-4BA9-A387-DCFE8861F6D6}" type="datetimeFigureOut">
               <a:rPr lang="en-US" smtClean="0"/>
-              <a:t>6/13/2019</a:t>
+              <a:t>6/14/2019</a:t>
             </a:fld>
             <a:endParaRPr lang="en-US"/>
           </a:p>
@@ -4307,7 +4307,7 @@
           <a:p>
             <a:fld id="{555DB554-926A-4BA9-A387-DCFE8861F6D6}" type="datetimeFigureOut">
               <a:rPr lang="en-US" smtClean="0"/>
-              <a:t>6/13/2019</a:t>
+              <a:t>6/14/2019</a:t>
             </a:fld>
             <a:endParaRPr lang="en-US"/>
           </a:p>
@@ -4570,7 +4570,7 @@
           <a:p>
             <a:fld id="{555DB554-926A-4BA9-A387-DCFE8861F6D6}" type="datetimeFigureOut">
               <a:rPr lang="en-US" smtClean="0"/>
-              <a:t>6/13/2019</a:t>
+              <a:t>6/14/2019</a:t>
             </a:fld>
             <a:endParaRPr lang="en-US"/>
           </a:p>
@@ -5313,7 +5313,7 @@
           <a:p>
             <a:fld id="{555DB554-926A-4BA9-A387-DCFE8861F6D6}" type="datetimeFigureOut">
               <a:rPr lang="en-US" smtClean="0"/>
-              <a:t>6/13/2019</a:t>
+              <a:t>6/14/2019</a:t>
             </a:fld>
             <a:endParaRPr lang="en-US"/>
           </a:p>
@@ -5980,7 +5980,15 @@
             </a:pPr>
             <a:r>
               <a:rPr lang="en-US" dirty="0"/>
-              <a:t>Now that we have all our development tools in place, let’s create our first android application in Android Studio.</a:t>
+              <a:t>Now that </a:t>
+            </a:r>
+            <a:r>
+              <a:rPr lang="en-US"/>
+              <a:t>we have all </a:t>
+            </a:r>
+            <a:r>
+              <a:rPr lang="en-US" dirty="0"/>
+              <a:t>our development tools in place, let’s create our first android application in Android Studio.</a:t>
             </a:r>
           </a:p>
           <a:p>

--- a/2019 DOCS/Lecture Two.pptx
+++ b/2019 DOCS/Lecture Two.pptx
@@ -5980,15 +5980,7 @@
             </a:pPr>
             <a:r>
               <a:rPr lang="en-US" dirty="0"/>
-              <a:t>Now that </a:t>
-            </a:r>
-            <a:r>
-              <a:rPr lang="en-US"/>
-              <a:t>we have all </a:t>
-            </a:r>
-            <a:r>
-              <a:rPr lang="en-US" dirty="0"/>
-              <a:t>our development tools in place, let’s create our first android application in Android Studio.</a:t>
+              <a:t>Now that we have all our development tools in place, let’s create our first android application in Android Studio.</a:t>
             </a:r>
           </a:p>
           <a:p>
@@ -6963,7 +6955,15 @@
             </a:pPr>
             <a:r>
               <a:rPr lang="en-US" dirty="0"/>
-              <a:t>(In not less than 200 words)</a:t>
+              <a:t>(In not less </a:t>
+            </a:r>
+            <a:r>
+              <a:rPr lang="en-US"/>
+              <a:t>than 100 </a:t>
+            </a:r>
+            <a:r>
+              <a:rPr lang="en-US" dirty="0"/>
+              <a:t>words)</a:t>
             </a:r>
           </a:p>
           <a:p>
